--- a/ppt 16-9/0492.我们的心中多快.pptx
+++ b/ppt 16-9/0492.我们的心中多快.pptx
@@ -5,7 +5,7 @@
     <p:sldMasterId id="2147483648" r:id="rId1"/>
   </p:sldMasterIdLst>
   <p:sldIdLst>
-    <p:sldId id="3004" r:id="rId2"/>
+    <p:sldId id="3005" r:id="rId2"/>
   </p:sldIdLst>
   <p:sldSz cx="12192000" cy="6858000"/>
   <p:notesSz cx="6858000" cy="9144000"/>
@@ -129,7 +129,7 @@
           <p:cNvPr id="2" name="标题 1">
             <a:extLst>
               <a:ext uri="{FF2B5EF4-FFF2-40B4-BE49-F238E27FC236}">
-                <a16:creationId xmlns:a16="http://schemas.microsoft.com/office/drawing/2014/main" id="{A8385B05-A671-3CF5-5517-D287FAA59F74}"/>
+                <a16:creationId xmlns:a16="http://schemas.microsoft.com/office/drawing/2014/main" id="{2B04E6EE-322F-D756-7370-D943BBED4D37}"/>
               </a:ext>
             </a:extLst>
           </p:cNvPr>
@@ -166,7 +166,7 @@
           <p:cNvPr id="3" name="副标题 2">
             <a:extLst>
               <a:ext uri="{FF2B5EF4-FFF2-40B4-BE49-F238E27FC236}">
-                <a16:creationId xmlns:a16="http://schemas.microsoft.com/office/drawing/2014/main" id="{9E85A826-10F4-7894-C427-868973C1E4D7}"/>
+                <a16:creationId xmlns:a16="http://schemas.microsoft.com/office/drawing/2014/main" id="{F8CCFFB8-CD7D-57F9-5520-895DAAC2DC9D}"/>
               </a:ext>
             </a:extLst>
           </p:cNvPr>
@@ -236,7 +236,7 @@
           <p:cNvPr id="4" name="日期占位符 3">
             <a:extLst>
               <a:ext uri="{FF2B5EF4-FFF2-40B4-BE49-F238E27FC236}">
-                <a16:creationId xmlns:a16="http://schemas.microsoft.com/office/drawing/2014/main" id="{562D6105-839A-BECA-2BDD-FA628B390995}"/>
+                <a16:creationId xmlns:a16="http://schemas.microsoft.com/office/drawing/2014/main" id="{E09F7107-3EDB-E6D5-240A-E411E77FE0A0}"/>
               </a:ext>
             </a:extLst>
           </p:cNvPr>
@@ -252,7 +252,7 @@
           <a:bodyPr/>
           <a:lstStyle/>
           <a:p>
-            <a:fld id="{C068C253-3ADF-4A1E-B0BB-0A6238F1FC75}" type="datetimeFigureOut">
+            <a:fld id="{5BE0A944-D362-4B1A-A7CD-6F853B34A5E6}" type="datetimeFigureOut">
               <a:rPr lang="zh-CN" altLang="en-US" smtClean="0"/>
               <a:t>2024/3/10</a:t>
             </a:fld>
@@ -265,7 +265,7 @@
           <p:cNvPr id="5" name="页脚占位符 4">
             <a:extLst>
               <a:ext uri="{FF2B5EF4-FFF2-40B4-BE49-F238E27FC236}">
-                <a16:creationId xmlns:a16="http://schemas.microsoft.com/office/drawing/2014/main" id="{5661093F-7E44-EBC9-C75B-E78EA738815E}"/>
+                <a16:creationId xmlns:a16="http://schemas.microsoft.com/office/drawing/2014/main" id="{E731C3FC-AC4A-34F1-B8E8-8F5064D42347}"/>
               </a:ext>
             </a:extLst>
           </p:cNvPr>
@@ -290,7 +290,7 @@
           <p:cNvPr id="6" name="灯片编号占位符 5">
             <a:extLst>
               <a:ext uri="{FF2B5EF4-FFF2-40B4-BE49-F238E27FC236}">
-                <a16:creationId xmlns:a16="http://schemas.microsoft.com/office/drawing/2014/main" id="{3E225BAD-CD40-9509-9588-C463FEADB450}"/>
+                <a16:creationId xmlns:a16="http://schemas.microsoft.com/office/drawing/2014/main" id="{9ED5D409-FC3A-B7B7-B24F-9B5C6CC04BEA}"/>
               </a:ext>
             </a:extLst>
           </p:cNvPr>
@@ -306,7 +306,7 @@
           <a:bodyPr/>
           <a:lstStyle/>
           <a:p>
-            <a:fld id="{F939F6A2-DA55-4EBF-B678-D980E70822D8}" type="slidenum">
+            <a:fld id="{B1FF4E16-303C-4948-8B3E-A206CF7BF2DD}" type="slidenum">
               <a:rPr lang="zh-CN" altLang="en-US" smtClean="0"/>
               <a:t>‹#›</a:t>
             </a:fld>
@@ -317,7 +317,7 @@
     </p:spTree>
     <p:extLst>
       <p:ext uri="{BB962C8B-B14F-4D97-AF65-F5344CB8AC3E}">
-        <p14:creationId xmlns:p14="http://schemas.microsoft.com/office/powerpoint/2010/main" val="3298810447"/>
+        <p14:creationId xmlns:p14="http://schemas.microsoft.com/office/powerpoint/2010/main" val="383999043"/>
       </p:ext>
     </p:extLst>
   </p:cSld>
@@ -349,7 +349,7 @@
           <p:cNvPr id="2" name="标题 1">
             <a:extLst>
               <a:ext uri="{FF2B5EF4-FFF2-40B4-BE49-F238E27FC236}">
-                <a16:creationId xmlns:a16="http://schemas.microsoft.com/office/drawing/2014/main" id="{3512C1DD-8880-9CAD-BB0C-2F7E5193A44D}"/>
+                <a16:creationId xmlns:a16="http://schemas.microsoft.com/office/drawing/2014/main" id="{9B68AD9C-1919-B3C4-77D7-E67EBFCBBC67}"/>
               </a:ext>
             </a:extLst>
           </p:cNvPr>
@@ -377,7 +377,7 @@
           <p:cNvPr id="3" name="竖排文字占位符 2">
             <a:extLst>
               <a:ext uri="{FF2B5EF4-FFF2-40B4-BE49-F238E27FC236}">
-                <a16:creationId xmlns:a16="http://schemas.microsoft.com/office/drawing/2014/main" id="{2146B637-F6B0-D973-B84D-ED649FD275DF}"/>
+                <a16:creationId xmlns:a16="http://schemas.microsoft.com/office/drawing/2014/main" id="{508604F7-4D4D-E6C6-1785-C50201DAFAA1}"/>
               </a:ext>
             </a:extLst>
           </p:cNvPr>
@@ -434,7 +434,7 @@
           <p:cNvPr id="4" name="日期占位符 3">
             <a:extLst>
               <a:ext uri="{FF2B5EF4-FFF2-40B4-BE49-F238E27FC236}">
-                <a16:creationId xmlns:a16="http://schemas.microsoft.com/office/drawing/2014/main" id="{D4C0E102-0D60-77B7-0B83-BE5B2047A927}"/>
+                <a16:creationId xmlns:a16="http://schemas.microsoft.com/office/drawing/2014/main" id="{D0262C90-45B5-9663-3184-2E3F3F95D25E}"/>
               </a:ext>
             </a:extLst>
           </p:cNvPr>
@@ -450,7 +450,7 @@
           <a:bodyPr/>
           <a:lstStyle/>
           <a:p>
-            <a:fld id="{C068C253-3ADF-4A1E-B0BB-0A6238F1FC75}" type="datetimeFigureOut">
+            <a:fld id="{5BE0A944-D362-4B1A-A7CD-6F853B34A5E6}" type="datetimeFigureOut">
               <a:rPr lang="zh-CN" altLang="en-US" smtClean="0"/>
               <a:t>2024/3/10</a:t>
             </a:fld>
@@ -463,7 +463,7 @@
           <p:cNvPr id="5" name="页脚占位符 4">
             <a:extLst>
               <a:ext uri="{FF2B5EF4-FFF2-40B4-BE49-F238E27FC236}">
-                <a16:creationId xmlns:a16="http://schemas.microsoft.com/office/drawing/2014/main" id="{CCCA2958-2C9A-95D6-B26E-70062C6D53F7}"/>
+                <a16:creationId xmlns:a16="http://schemas.microsoft.com/office/drawing/2014/main" id="{40CE94F2-8A1B-67F8-0D53-003BA5584AAD}"/>
               </a:ext>
             </a:extLst>
           </p:cNvPr>
@@ -488,7 +488,7 @@
           <p:cNvPr id="6" name="灯片编号占位符 5">
             <a:extLst>
               <a:ext uri="{FF2B5EF4-FFF2-40B4-BE49-F238E27FC236}">
-                <a16:creationId xmlns:a16="http://schemas.microsoft.com/office/drawing/2014/main" id="{3701D91F-DCB2-4832-CACD-77DA3E90590D}"/>
+                <a16:creationId xmlns:a16="http://schemas.microsoft.com/office/drawing/2014/main" id="{81A18D6E-89BE-04D1-B280-B0F045371441}"/>
               </a:ext>
             </a:extLst>
           </p:cNvPr>
@@ -504,7 +504,7 @@
           <a:bodyPr/>
           <a:lstStyle/>
           <a:p>
-            <a:fld id="{F939F6A2-DA55-4EBF-B678-D980E70822D8}" type="slidenum">
+            <a:fld id="{B1FF4E16-303C-4948-8B3E-A206CF7BF2DD}" type="slidenum">
               <a:rPr lang="zh-CN" altLang="en-US" smtClean="0"/>
               <a:t>‹#›</a:t>
             </a:fld>
@@ -515,7 +515,7 @@
     </p:spTree>
     <p:extLst>
       <p:ext uri="{BB962C8B-B14F-4D97-AF65-F5344CB8AC3E}">
-        <p14:creationId xmlns:p14="http://schemas.microsoft.com/office/powerpoint/2010/main" val="1181010782"/>
+        <p14:creationId xmlns:p14="http://schemas.microsoft.com/office/powerpoint/2010/main" val="3813072833"/>
       </p:ext>
     </p:extLst>
   </p:cSld>
@@ -547,7 +547,7 @@
           <p:cNvPr id="2" name="竖排标题 1">
             <a:extLst>
               <a:ext uri="{FF2B5EF4-FFF2-40B4-BE49-F238E27FC236}">
-                <a16:creationId xmlns:a16="http://schemas.microsoft.com/office/drawing/2014/main" id="{207FB319-1D20-8B27-46F1-5B91175651D2}"/>
+                <a16:creationId xmlns:a16="http://schemas.microsoft.com/office/drawing/2014/main" id="{91D9FAAC-476C-8179-44D1-2DF316E272DE}"/>
               </a:ext>
             </a:extLst>
           </p:cNvPr>
@@ -580,7 +580,7 @@
           <p:cNvPr id="3" name="竖排文字占位符 2">
             <a:extLst>
               <a:ext uri="{FF2B5EF4-FFF2-40B4-BE49-F238E27FC236}">
-                <a16:creationId xmlns:a16="http://schemas.microsoft.com/office/drawing/2014/main" id="{3A4ADF49-155B-680E-39DC-731CEB5106AF}"/>
+                <a16:creationId xmlns:a16="http://schemas.microsoft.com/office/drawing/2014/main" id="{EEB17DC9-99B0-0C20-3BF5-BD8CA5BC8007}"/>
               </a:ext>
             </a:extLst>
           </p:cNvPr>
@@ -642,7 +642,7 @@
           <p:cNvPr id="4" name="日期占位符 3">
             <a:extLst>
               <a:ext uri="{FF2B5EF4-FFF2-40B4-BE49-F238E27FC236}">
-                <a16:creationId xmlns:a16="http://schemas.microsoft.com/office/drawing/2014/main" id="{BC997A60-A3B6-A7F0-C0A7-8132F31EF4B2}"/>
+                <a16:creationId xmlns:a16="http://schemas.microsoft.com/office/drawing/2014/main" id="{7167841B-612F-121A-B53D-148644CCCAE9}"/>
               </a:ext>
             </a:extLst>
           </p:cNvPr>
@@ -658,7 +658,7 @@
           <a:bodyPr/>
           <a:lstStyle/>
           <a:p>
-            <a:fld id="{C068C253-3ADF-4A1E-B0BB-0A6238F1FC75}" type="datetimeFigureOut">
+            <a:fld id="{5BE0A944-D362-4B1A-A7CD-6F853B34A5E6}" type="datetimeFigureOut">
               <a:rPr lang="zh-CN" altLang="en-US" smtClean="0"/>
               <a:t>2024/3/10</a:t>
             </a:fld>
@@ -671,7 +671,7 @@
           <p:cNvPr id="5" name="页脚占位符 4">
             <a:extLst>
               <a:ext uri="{FF2B5EF4-FFF2-40B4-BE49-F238E27FC236}">
-                <a16:creationId xmlns:a16="http://schemas.microsoft.com/office/drawing/2014/main" id="{08765631-EC4D-C9E4-83FC-6E0892B69363}"/>
+                <a16:creationId xmlns:a16="http://schemas.microsoft.com/office/drawing/2014/main" id="{BD1AA5E1-B2DB-BD86-3CEB-CDA7B4C28011}"/>
               </a:ext>
             </a:extLst>
           </p:cNvPr>
@@ -696,7 +696,7 @@
           <p:cNvPr id="6" name="灯片编号占位符 5">
             <a:extLst>
               <a:ext uri="{FF2B5EF4-FFF2-40B4-BE49-F238E27FC236}">
-                <a16:creationId xmlns:a16="http://schemas.microsoft.com/office/drawing/2014/main" id="{114193F6-76CB-7D99-8570-BCCEE0E3E73B}"/>
+                <a16:creationId xmlns:a16="http://schemas.microsoft.com/office/drawing/2014/main" id="{7DD313C6-AFDA-9125-7A61-D71FB7CD222D}"/>
               </a:ext>
             </a:extLst>
           </p:cNvPr>
@@ -712,7 +712,7 @@
           <a:bodyPr/>
           <a:lstStyle/>
           <a:p>
-            <a:fld id="{F939F6A2-DA55-4EBF-B678-D980E70822D8}" type="slidenum">
+            <a:fld id="{B1FF4E16-303C-4948-8B3E-A206CF7BF2DD}" type="slidenum">
               <a:rPr lang="zh-CN" altLang="en-US" smtClean="0"/>
               <a:t>‹#›</a:t>
             </a:fld>
@@ -723,7 +723,7 @@
     </p:spTree>
     <p:extLst>
       <p:ext uri="{BB962C8B-B14F-4D97-AF65-F5344CB8AC3E}">
-        <p14:creationId xmlns:p14="http://schemas.microsoft.com/office/powerpoint/2010/main" val="3533926072"/>
+        <p14:creationId xmlns:p14="http://schemas.microsoft.com/office/powerpoint/2010/main" val="1563895012"/>
       </p:ext>
     </p:extLst>
   </p:cSld>
@@ -755,7 +755,7 @@
           <p:cNvPr id="2" name="标题 1">
             <a:extLst>
               <a:ext uri="{FF2B5EF4-FFF2-40B4-BE49-F238E27FC236}">
-                <a16:creationId xmlns:a16="http://schemas.microsoft.com/office/drawing/2014/main" id="{2816323C-4A63-027F-F5AD-CA084225C8B3}"/>
+                <a16:creationId xmlns:a16="http://schemas.microsoft.com/office/drawing/2014/main" id="{837991AE-6DCF-8ABF-9AEA-E664B8CF491F}"/>
               </a:ext>
             </a:extLst>
           </p:cNvPr>
@@ -783,7 +783,7 @@
           <p:cNvPr id="3" name="内容占位符 2">
             <a:extLst>
               <a:ext uri="{FF2B5EF4-FFF2-40B4-BE49-F238E27FC236}">
-                <a16:creationId xmlns:a16="http://schemas.microsoft.com/office/drawing/2014/main" id="{FFD89A21-30A2-F784-A2DE-80B1CD7FE577}"/>
+                <a16:creationId xmlns:a16="http://schemas.microsoft.com/office/drawing/2014/main" id="{96964BB5-28DC-87CA-496A-463A29F1E44C}"/>
               </a:ext>
             </a:extLst>
           </p:cNvPr>
@@ -840,7 +840,7 @@
           <p:cNvPr id="4" name="日期占位符 3">
             <a:extLst>
               <a:ext uri="{FF2B5EF4-FFF2-40B4-BE49-F238E27FC236}">
-                <a16:creationId xmlns:a16="http://schemas.microsoft.com/office/drawing/2014/main" id="{DAF4C99A-E638-D3FC-1583-5719CBA45417}"/>
+                <a16:creationId xmlns:a16="http://schemas.microsoft.com/office/drawing/2014/main" id="{CED09DD6-21FD-2935-25FB-24FA426DBCDD}"/>
               </a:ext>
             </a:extLst>
           </p:cNvPr>
@@ -856,7 +856,7 @@
           <a:bodyPr/>
           <a:lstStyle/>
           <a:p>
-            <a:fld id="{C068C253-3ADF-4A1E-B0BB-0A6238F1FC75}" type="datetimeFigureOut">
+            <a:fld id="{5BE0A944-D362-4B1A-A7CD-6F853B34A5E6}" type="datetimeFigureOut">
               <a:rPr lang="zh-CN" altLang="en-US" smtClean="0"/>
               <a:t>2024/3/10</a:t>
             </a:fld>
@@ -869,7 +869,7 @@
           <p:cNvPr id="5" name="页脚占位符 4">
             <a:extLst>
               <a:ext uri="{FF2B5EF4-FFF2-40B4-BE49-F238E27FC236}">
-                <a16:creationId xmlns:a16="http://schemas.microsoft.com/office/drawing/2014/main" id="{1982332C-852E-36BC-1B0C-8842074AAC3D}"/>
+                <a16:creationId xmlns:a16="http://schemas.microsoft.com/office/drawing/2014/main" id="{4AE5DFD3-0844-6636-8537-25B5322ADDD6}"/>
               </a:ext>
             </a:extLst>
           </p:cNvPr>
@@ -894,7 +894,7 @@
           <p:cNvPr id="6" name="灯片编号占位符 5">
             <a:extLst>
               <a:ext uri="{FF2B5EF4-FFF2-40B4-BE49-F238E27FC236}">
-                <a16:creationId xmlns:a16="http://schemas.microsoft.com/office/drawing/2014/main" id="{A921DC03-DFF1-CB9F-8233-5109B498198F}"/>
+                <a16:creationId xmlns:a16="http://schemas.microsoft.com/office/drawing/2014/main" id="{2A3CD257-A2D0-9A78-6408-4B3CC4C76681}"/>
               </a:ext>
             </a:extLst>
           </p:cNvPr>
@@ -910,7 +910,7 @@
           <a:bodyPr/>
           <a:lstStyle/>
           <a:p>
-            <a:fld id="{F939F6A2-DA55-4EBF-B678-D980E70822D8}" type="slidenum">
+            <a:fld id="{B1FF4E16-303C-4948-8B3E-A206CF7BF2DD}" type="slidenum">
               <a:rPr lang="zh-CN" altLang="en-US" smtClean="0"/>
               <a:t>‹#›</a:t>
             </a:fld>
@@ -921,7 +921,7 @@
     </p:spTree>
     <p:extLst>
       <p:ext uri="{BB962C8B-B14F-4D97-AF65-F5344CB8AC3E}">
-        <p14:creationId xmlns:p14="http://schemas.microsoft.com/office/powerpoint/2010/main" val="3887742683"/>
+        <p14:creationId xmlns:p14="http://schemas.microsoft.com/office/powerpoint/2010/main" val="3034546906"/>
       </p:ext>
     </p:extLst>
   </p:cSld>
@@ -953,7 +953,7 @@
           <p:cNvPr id="2" name="标题 1">
             <a:extLst>
               <a:ext uri="{FF2B5EF4-FFF2-40B4-BE49-F238E27FC236}">
-                <a16:creationId xmlns:a16="http://schemas.microsoft.com/office/drawing/2014/main" id="{17F97BFC-0FDE-5AF9-31C9-E7A7078D5DE8}"/>
+                <a16:creationId xmlns:a16="http://schemas.microsoft.com/office/drawing/2014/main" id="{3D48B19D-9631-FBB2-98A8-92956256E154}"/>
               </a:ext>
             </a:extLst>
           </p:cNvPr>
@@ -990,7 +990,7 @@
           <p:cNvPr id="3" name="文本占位符 2">
             <a:extLst>
               <a:ext uri="{FF2B5EF4-FFF2-40B4-BE49-F238E27FC236}">
-                <a16:creationId xmlns:a16="http://schemas.microsoft.com/office/drawing/2014/main" id="{941FC4CC-4CA2-181C-C25E-676056F75B3B}"/>
+                <a16:creationId xmlns:a16="http://schemas.microsoft.com/office/drawing/2014/main" id="{BAB398CC-1FC5-9FF4-3DB8-64BBF6E51841}"/>
               </a:ext>
             </a:extLst>
           </p:cNvPr>
@@ -1115,7 +1115,7 @@
           <p:cNvPr id="4" name="日期占位符 3">
             <a:extLst>
               <a:ext uri="{FF2B5EF4-FFF2-40B4-BE49-F238E27FC236}">
-                <a16:creationId xmlns:a16="http://schemas.microsoft.com/office/drawing/2014/main" id="{72FC7314-5BB3-CC45-CDB2-A64B266F6AB3}"/>
+                <a16:creationId xmlns:a16="http://schemas.microsoft.com/office/drawing/2014/main" id="{C4844691-2041-1902-66A8-541ED05E0061}"/>
               </a:ext>
             </a:extLst>
           </p:cNvPr>
@@ -1131,7 +1131,7 @@
           <a:bodyPr/>
           <a:lstStyle/>
           <a:p>
-            <a:fld id="{C068C253-3ADF-4A1E-B0BB-0A6238F1FC75}" type="datetimeFigureOut">
+            <a:fld id="{5BE0A944-D362-4B1A-A7CD-6F853B34A5E6}" type="datetimeFigureOut">
               <a:rPr lang="zh-CN" altLang="en-US" smtClean="0"/>
               <a:t>2024/3/10</a:t>
             </a:fld>
@@ -1144,7 +1144,7 @@
           <p:cNvPr id="5" name="页脚占位符 4">
             <a:extLst>
               <a:ext uri="{FF2B5EF4-FFF2-40B4-BE49-F238E27FC236}">
-                <a16:creationId xmlns:a16="http://schemas.microsoft.com/office/drawing/2014/main" id="{487C10FA-F9A2-290B-7F80-1A12091A1DC4}"/>
+                <a16:creationId xmlns:a16="http://schemas.microsoft.com/office/drawing/2014/main" id="{962B2D2C-3AC2-E099-6E88-4E946A9855BA}"/>
               </a:ext>
             </a:extLst>
           </p:cNvPr>
@@ -1169,7 +1169,7 @@
           <p:cNvPr id="6" name="灯片编号占位符 5">
             <a:extLst>
               <a:ext uri="{FF2B5EF4-FFF2-40B4-BE49-F238E27FC236}">
-                <a16:creationId xmlns:a16="http://schemas.microsoft.com/office/drawing/2014/main" id="{76FB7B51-1DD5-9117-38F2-084055EE13B1}"/>
+                <a16:creationId xmlns:a16="http://schemas.microsoft.com/office/drawing/2014/main" id="{DC827222-BA2C-A678-4DD7-0A7317673565}"/>
               </a:ext>
             </a:extLst>
           </p:cNvPr>
@@ -1185,7 +1185,7 @@
           <a:bodyPr/>
           <a:lstStyle/>
           <a:p>
-            <a:fld id="{F939F6A2-DA55-4EBF-B678-D980E70822D8}" type="slidenum">
+            <a:fld id="{B1FF4E16-303C-4948-8B3E-A206CF7BF2DD}" type="slidenum">
               <a:rPr lang="zh-CN" altLang="en-US" smtClean="0"/>
               <a:t>‹#›</a:t>
             </a:fld>
@@ -1196,7 +1196,7 @@
     </p:spTree>
     <p:extLst>
       <p:ext uri="{BB962C8B-B14F-4D97-AF65-F5344CB8AC3E}">
-        <p14:creationId xmlns:p14="http://schemas.microsoft.com/office/powerpoint/2010/main" val="2245401498"/>
+        <p14:creationId xmlns:p14="http://schemas.microsoft.com/office/powerpoint/2010/main" val="2336326903"/>
       </p:ext>
     </p:extLst>
   </p:cSld>
@@ -1228,7 +1228,7 @@
           <p:cNvPr id="2" name="标题 1">
             <a:extLst>
               <a:ext uri="{FF2B5EF4-FFF2-40B4-BE49-F238E27FC236}">
-                <a16:creationId xmlns:a16="http://schemas.microsoft.com/office/drawing/2014/main" id="{CB8C2899-2653-13FE-82D0-0A84DD3A6C4E}"/>
+                <a16:creationId xmlns:a16="http://schemas.microsoft.com/office/drawing/2014/main" id="{E1E0F2A5-ECB4-E368-19DB-19D03E8B13F5}"/>
               </a:ext>
             </a:extLst>
           </p:cNvPr>
@@ -1256,7 +1256,7 @@
           <p:cNvPr id="3" name="内容占位符 2">
             <a:extLst>
               <a:ext uri="{FF2B5EF4-FFF2-40B4-BE49-F238E27FC236}">
-                <a16:creationId xmlns:a16="http://schemas.microsoft.com/office/drawing/2014/main" id="{603BE036-DF9C-68C0-27D4-1C9E9785E767}"/>
+                <a16:creationId xmlns:a16="http://schemas.microsoft.com/office/drawing/2014/main" id="{B35B9777-0346-2532-783F-343686CC37B3}"/>
               </a:ext>
             </a:extLst>
           </p:cNvPr>
@@ -1318,7 +1318,7 @@
           <p:cNvPr id="4" name="内容占位符 3">
             <a:extLst>
               <a:ext uri="{FF2B5EF4-FFF2-40B4-BE49-F238E27FC236}">
-                <a16:creationId xmlns:a16="http://schemas.microsoft.com/office/drawing/2014/main" id="{40B14B2E-A39F-ECC4-8A15-A8AF57580E10}"/>
+                <a16:creationId xmlns:a16="http://schemas.microsoft.com/office/drawing/2014/main" id="{3C108E89-63F3-EBF0-D65B-456074672026}"/>
               </a:ext>
             </a:extLst>
           </p:cNvPr>
@@ -1380,7 +1380,7 @@
           <p:cNvPr id="5" name="日期占位符 4">
             <a:extLst>
               <a:ext uri="{FF2B5EF4-FFF2-40B4-BE49-F238E27FC236}">
-                <a16:creationId xmlns:a16="http://schemas.microsoft.com/office/drawing/2014/main" id="{E352C1BA-9BA0-4F79-28A1-56BE19795111}"/>
+                <a16:creationId xmlns:a16="http://schemas.microsoft.com/office/drawing/2014/main" id="{52F17645-4459-1781-92F8-6C16F88322AD}"/>
               </a:ext>
             </a:extLst>
           </p:cNvPr>
@@ -1396,7 +1396,7 @@
           <a:bodyPr/>
           <a:lstStyle/>
           <a:p>
-            <a:fld id="{C068C253-3ADF-4A1E-B0BB-0A6238F1FC75}" type="datetimeFigureOut">
+            <a:fld id="{5BE0A944-D362-4B1A-A7CD-6F853B34A5E6}" type="datetimeFigureOut">
               <a:rPr lang="zh-CN" altLang="en-US" smtClean="0"/>
               <a:t>2024/3/10</a:t>
             </a:fld>
@@ -1409,7 +1409,7 @@
           <p:cNvPr id="6" name="页脚占位符 5">
             <a:extLst>
               <a:ext uri="{FF2B5EF4-FFF2-40B4-BE49-F238E27FC236}">
-                <a16:creationId xmlns:a16="http://schemas.microsoft.com/office/drawing/2014/main" id="{3F00E8EA-6B47-A8F1-337E-74040E98896E}"/>
+                <a16:creationId xmlns:a16="http://schemas.microsoft.com/office/drawing/2014/main" id="{CB209AAD-1CCD-2983-9028-118687D5FB2D}"/>
               </a:ext>
             </a:extLst>
           </p:cNvPr>
@@ -1434,7 +1434,7 @@
           <p:cNvPr id="7" name="灯片编号占位符 6">
             <a:extLst>
               <a:ext uri="{FF2B5EF4-FFF2-40B4-BE49-F238E27FC236}">
-                <a16:creationId xmlns:a16="http://schemas.microsoft.com/office/drawing/2014/main" id="{A609CFBA-49A5-BEBF-C4C3-E20CB9FC8300}"/>
+                <a16:creationId xmlns:a16="http://schemas.microsoft.com/office/drawing/2014/main" id="{A8008F53-1D4A-9729-B895-8071CB11FE4A}"/>
               </a:ext>
             </a:extLst>
           </p:cNvPr>
@@ -1450,7 +1450,7 @@
           <a:bodyPr/>
           <a:lstStyle/>
           <a:p>
-            <a:fld id="{F939F6A2-DA55-4EBF-B678-D980E70822D8}" type="slidenum">
+            <a:fld id="{B1FF4E16-303C-4948-8B3E-A206CF7BF2DD}" type="slidenum">
               <a:rPr lang="zh-CN" altLang="en-US" smtClean="0"/>
               <a:t>‹#›</a:t>
             </a:fld>
@@ -1461,7 +1461,7 @@
     </p:spTree>
     <p:extLst>
       <p:ext uri="{BB962C8B-B14F-4D97-AF65-F5344CB8AC3E}">
-        <p14:creationId xmlns:p14="http://schemas.microsoft.com/office/powerpoint/2010/main" val="941072455"/>
+        <p14:creationId xmlns:p14="http://schemas.microsoft.com/office/powerpoint/2010/main" val="914397826"/>
       </p:ext>
     </p:extLst>
   </p:cSld>
@@ -1493,7 +1493,7 @@
           <p:cNvPr id="2" name="标题 1">
             <a:extLst>
               <a:ext uri="{FF2B5EF4-FFF2-40B4-BE49-F238E27FC236}">
-                <a16:creationId xmlns:a16="http://schemas.microsoft.com/office/drawing/2014/main" id="{0D5C92FA-AC73-4577-39B2-ED52EE9B0932}"/>
+                <a16:creationId xmlns:a16="http://schemas.microsoft.com/office/drawing/2014/main" id="{0FE29C47-AD8A-F8C3-788F-ECE5ADD0E8C1}"/>
               </a:ext>
             </a:extLst>
           </p:cNvPr>
@@ -1526,7 +1526,7 @@
           <p:cNvPr id="3" name="文本占位符 2">
             <a:extLst>
               <a:ext uri="{FF2B5EF4-FFF2-40B4-BE49-F238E27FC236}">
-                <a16:creationId xmlns:a16="http://schemas.microsoft.com/office/drawing/2014/main" id="{58F04152-4367-A920-283D-1A99E7418076}"/>
+                <a16:creationId xmlns:a16="http://schemas.microsoft.com/office/drawing/2014/main" id="{DE23D12B-0620-EDF1-9161-38BA21F93FC7}"/>
               </a:ext>
             </a:extLst>
           </p:cNvPr>
@@ -1597,7 +1597,7 @@
           <p:cNvPr id="4" name="内容占位符 3">
             <a:extLst>
               <a:ext uri="{FF2B5EF4-FFF2-40B4-BE49-F238E27FC236}">
-                <a16:creationId xmlns:a16="http://schemas.microsoft.com/office/drawing/2014/main" id="{30DC27B0-90D6-BADB-38AB-F1339908ECEB}"/>
+                <a16:creationId xmlns:a16="http://schemas.microsoft.com/office/drawing/2014/main" id="{329B809A-62A8-FDEF-A252-AD18629116BB}"/>
               </a:ext>
             </a:extLst>
           </p:cNvPr>
@@ -1659,7 +1659,7 @@
           <p:cNvPr id="5" name="文本占位符 4">
             <a:extLst>
               <a:ext uri="{FF2B5EF4-FFF2-40B4-BE49-F238E27FC236}">
-                <a16:creationId xmlns:a16="http://schemas.microsoft.com/office/drawing/2014/main" id="{8546F72D-9639-A09D-BBA1-0430B7079AAF}"/>
+                <a16:creationId xmlns:a16="http://schemas.microsoft.com/office/drawing/2014/main" id="{8012E09E-69C3-4648-5F00-F841C939AD22}"/>
               </a:ext>
             </a:extLst>
           </p:cNvPr>
@@ -1730,7 +1730,7 @@
           <p:cNvPr id="6" name="内容占位符 5">
             <a:extLst>
               <a:ext uri="{FF2B5EF4-FFF2-40B4-BE49-F238E27FC236}">
-                <a16:creationId xmlns:a16="http://schemas.microsoft.com/office/drawing/2014/main" id="{1DCFC16B-ACED-4A1E-E927-7A20A4DBF13C}"/>
+                <a16:creationId xmlns:a16="http://schemas.microsoft.com/office/drawing/2014/main" id="{472DC82F-0905-C248-8AAD-25ABBEDFFA4D}"/>
               </a:ext>
             </a:extLst>
           </p:cNvPr>
@@ -1792,7 +1792,7 @@
           <p:cNvPr id="7" name="日期占位符 6">
             <a:extLst>
               <a:ext uri="{FF2B5EF4-FFF2-40B4-BE49-F238E27FC236}">
-                <a16:creationId xmlns:a16="http://schemas.microsoft.com/office/drawing/2014/main" id="{B1FCDF67-18D2-792E-13E6-BAEB244B4D41}"/>
+                <a16:creationId xmlns:a16="http://schemas.microsoft.com/office/drawing/2014/main" id="{B88CADC3-6C9D-C34F-0F8B-C3ED8BCE66A5}"/>
               </a:ext>
             </a:extLst>
           </p:cNvPr>
@@ -1808,7 +1808,7 @@
           <a:bodyPr/>
           <a:lstStyle/>
           <a:p>
-            <a:fld id="{C068C253-3ADF-4A1E-B0BB-0A6238F1FC75}" type="datetimeFigureOut">
+            <a:fld id="{5BE0A944-D362-4B1A-A7CD-6F853B34A5E6}" type="datetimeFigureOut">
               <a:rPr lang="zh-CN" altLang="en-US" smtClean="0"/>
               <a:t>2024/3/10</a:t>
             </a:fld>
@@ -1821,7 +1821,7 @@
           <p:cNvPr id="8" name="页脚占位符 7">
             <a:extLst>
               <a:ext uri="{FF2B5EF4-FFF2-40B4-BE49-F238E27FC236}">
-                <a16:creationId xmlns:a16="http://schemas.microsoft.com/office/drawing/2014/main" id="{01C53EB0-54AF-9FD0-E0C4-BD114462161E}"/>
+                <a16:creationId xmlns:a16="http://schemas.microsoft.com/office/drawing/2014/main" id="{14750CB8-A122-9F16-075E-E9346A999FE4}"/>
               </a:ext>
             </a:extLst>
           </p:cNvPr>
@@ -1846,7 +1846,7 @@
           <p:cNvPr id="9" name="灯片编号占位符 8">
             <a:extLst>
               <a:ext uri="{FF2B5EF4-FFF2-40B4-BE49-F238E27FC236}">
-                <a16:creationId xmlns:a16="http://schemas.microsoft.com/office/drawing/2014/main" id="{06BCEF9B-F01D-B699-2A1B-121CC5D8A4FE}"/>
+                <a16:creationId xmlns:a16="http://schemas.microsoft.com/office/drawing/2014/main" id="{E8DF0CA8-82E1-1DD3-48E8-FE500C092EB9}"/>
               </a:ext>
             </a:extLst>
           </p:cNvPr>
@@ -1862,7 +1862,7 @@
           <a:bodyPr/>
           <a:lstStyle/>
           <a:p>
-            <a:fld id="{F939F6A2-DA55-4EBF-B678-D980E70822D8}" type="slidenum">
+            <a:fld id="{B1FF4E16-303C-4948-8B3E-A206CF7BF2DD}" type="slidenum">
               <a:rPr lang="zh-CN" altLang="en-US" smtClean="0"/>
               <a:t>‹#›</a:t>
             </a:fld>
@@ -1873,7 +1873,7 @@
     </p:spTree>
     <p:extLst>
       <p:ext uri="{BB962C8B-B14F-4D97-AF65-F5344CB8AC3E}">
-        <p14:creationId xmlns:p14="http://schemas.microsoft.com/office/powerpoint/2010/main" val="818700989"/>
+        <p14:creationId xmlns:p14="http://schemas.microsoft.com/office/powerpoint/2010/main" val="2276097792"/>
       </p:ext>
     </p:extLst>
   </p:cSld>
@@ -1905,7 +1905,7 @@
           <p:cNvPr id="2" name="标题 1">
             <a:extLst>
               <a:ext uri="{FF2B5EF4-FFF2-40B4-BE49-F238E27FC236}">
-                <a16:creationId xmlns:a16="http://schemas.microsoft.com/office/drawing/2014/main" id="{5DE02B29-EBEB-B53C-EF76-E3705A8F6ABB}"/>
+                <a16:creationId xmlns:a16="http://schemas.microsoft.com/office/drawing/2014/main" id="{91C2F77F-CF4C-3E09-9173-4A34DDF74DB7}"/>
               </a:ext>
             </a:extLst>
           </p:cNvPr>
@@ -1933,7 +1933,7 @@
           <p:cNvPr id="3" name="日期占位符 2">
             <a:extLst>
               <a:ext uri="{FF2B5EF4-FFF2-40B4-BE49-F238E27FC236}">
-                <a16:creationId xmlns:a16="http://schemas.microsoft.com/office/drawing/2014/main" id="{7E7A941B-FBC7-1498-6A7C-6BDCA3828A60}"/>
+                <a16:creationId xmlns:a16="http://schemas.microsoft.com/office/drawing/2014/main" id="{1D9265D8-67EC-CA2C-D87C-3C262C4DE06B}"/>
               </a:ext>
             </a:extLst>
           </p:cNvPr>
@@ -1949,7 +1949,7 @@
           <a:bodyPr/>
           <a:lstStyle/>
           <a:p>
-            <a:fld id="{C068C253-3ADF-4A1E-B0BB-0A6238F1FC75}" type="datetimeFigureOut">
+            <a:fld id="{5BE0A944-D362-4B1A-A7CD-6F853B34A5E6}" type="datetimeFigureOut">
               <a:rPr lang="zh-CN" altLang="en-US" smtClean="0"/>
               <a:t>2024/3/10</a:t>
             </a:fld>
@@ -1962,7 +1962,7 @@
           <p:cNvPr id="4" name="页脚占位符 3">
             <a:extLst>
               <a:ext uri="{FF2B5EF4-FFF2-40B4-BE49-F238E27FC236}">
-                <a16:creationId xmlns:a16="http://schemas.microsoft.com/office/drawing/2014/main" id="{ACEBD6EB-525F-50B5-E4B7-17B3EE998833}"/>
+                <a16:creationId xmlns:a16="http://schemas.microsoft.com/office/drawing/2014/main" id="{01B1EE28-08A6-F3F2-7B42-0F408040B013}"/>
               </a:ext>
             </a:extLst>
           </p:cNvPr>
@@ -1987,7 +1987,7 @@
           <p:cNvPr id="5" name="灯片编号占位符 4">
             <a:extLst>
               <a:ext uri="{FF2B5EF4-FFF2-40B4-BE49-F238E27FC236}">
-                <a16:creationId xmlns:a16="http://schemas.microsoft.com/office/drawing/2014/main" id="{D966DF04-BC72-222A-5640-663DE686E906}"/>
+                <a16:creationId xmlns:a16="http://schemas.microsoft.com/office/drawing/2014/main" id="{41C66B63-DFC1-16A9-2B74-7B5244DDFC87}"/>
               </a:ext>
             </a:extLst>
           </p:cNvPr>
@@ -2003,7 +2003,7 @@
           <a:bodyPr/>
           <a:lstStyle/>
           <a:p>
-            <a:fld id="{F939F6A2-DA55-4EBF-B678-D980E70822D8}" type="slidenum">
+            <a:fld id="{B1FF4E16-303C-4948-8B3E-A206CF7BF2DD}" type="slidenum">
               <a:rPr lang="zh-CN" altLang="en-US" smtClean="0"/>
               <a:t>‹#›</a:t>
             </a:fld>
@@ -2014,7 +2014,7 @@
     </p:spTree>
     <p:extLst>
       <p:ext uri="{BB962C8B-B14F-4D97-AF65-F5344CB8AC3E}">
-        <p14:creationId xmlns:p14="http://schemas.microsoft.com/office/powerpoint/2010/main" val="2315211186"/>
+        <p14:creationId xmlns:p14="http://schemas.microsoft.com/office/powerpoint/2010/main" val="3149231475"/>
       </p:ext>
     </p:extLst>
   </p:cSld>
@@ -2046,7 +2046,7 @@
           <p:cNvPr id="2" name="日期占位符 1">
             <a:extLst>
               <a:ext uri="{FF2B5EF4-FFF2-40B4-BE49-F238E27FC236}">
-                <a16:creationId xmlns:a16="http://schemas.microsoft.com/office/drawing/2014/main" id="{6868EB83-DB2E-E14A-EB11-F374BDEECFCF}"/>
+                <a16:creationId xmlns:a16="http://schemas.microsoft.com/office/drawing/2014/main" id="{FE36AFC0-AD90-3CAC-0EEC-E4747E383D2C}"/>
               </a:ext>
             </a:extLst>
           </p:cNvPr>
@@ -2062,7 +2062,7 @@
           <a:bodyPr/>
           <a:lstStyle/>
           <a:p>
-            <a:fld id="{C068C253-3ADF-4A1E-B0BB-0A6238F1FC75}" type="datetimeFigureOut">
+            <a:fld id="{5BE0A944-D362-4B1A-A7CD-6F853B34A5E6}" type="datetimeFigureOut">
               <a:rPr lang="zh-CN" altLang="en-US" smtClean="0"/>
               <a:t>2024/3/10</a:t>
             </a:fld>
@@ -2075,7 +2075,7 @@
           <p:cNvPr id="3" name="页脚占位符 2">
             <a:extLst>
               <a:ext uri="{FF2B5EF4-FFF2-40B4-BE49-F238E27FC236}">
-                <a16:creationId xmlns:a16="http://schemas.microsoft.com/office/drawing/2014/main" id="{0CDC9734-5A25-09E4-0C81-28C989045F51}"/>
+                <a16:creationId xmlns:a16="http://schemas.microsoft.com/office/drawing/2014/main" id="{DD54F3AD-401C-16B9-DA7C-A3EE0522737E}"/>
               </a:ext>
             </a:extLst>
           </p:cNvPr>
@@ -2100,7 +2100,7 @@
           <p:cNvPr id="4" name="灯片编号占位符 3">
             <a:extLst>
               <a:ext uri="{FF2B5EF4-FFF2-40B4-BE49-F238E27FC236}">
-                <a16:creationId xmlns:a16="http://schemas.microsoft.com/office/drawing/2014/main" id="{5A7179BC-38FE-9514-5A36-CD9C3C12C79A}"/>
+                <a16:creationId xmlns:a16="http://schemas.microsoft.com/office/drawing/2014/main" id="{AE632FC7-55B7-47D3-5FB2-272069B6A9CD}"/>
               </a:ext>
             </a:extLst>
           </p:cNvPr>
@@ -2116,7 +2116,7 @@
           <a:bodyPr/>
           <a:lstStyle/>
           <a:p>
-            <a:fld id="{F939F6A2-DA55-4EBF-B678-D980E70822D8}" type="slidenum">
+            <a:fld id="{B1FF4E16-303C-4948-8B3E-A206CF7BF2DD}" type="slidenum">
               <a:rPr lang="zh-CN" altLang="en-US" smtClean="0"/>
               <a:t>‹#›</a:t>
             </a:fld>
@@ -2127,7 +2127,7 @@
     </p:spTree>
     <p:extLst>
       <p:ext uri="{BB962C8B-B14F-4D97-AF65-F5344CB8AC3E}">
-        <p14:creationId xmlns:p14="http://schemas.microsoft.com/office/powerpoint/2010/main" val="686778908"/>
+        <p14:creationId xmlns:p14="http://schemas.microsoft.com/office/powerpoint/2010/main" val="3749239883"/>
       </p:ext>
     </p:extLst>
   </p:cSld>
@@ -2159,7 +2159,7 @@
           <p:cNvPr id="2" name="标题 1">
             <a:extLst>
               <a:ext uri="{FF2B5EF4-FFF2-40B4-BE49-F238E27FC236}">
-                <a16:creationId xmlns:a16="http://schemas.microsoft.com/office/drawing/2014/main" id="{8B975113-4897-FE11-86A4-15268EAD4E07}"/>
+                <a16:creationId xmlns:a16="http://schemas.microsoft.com/office/drawing/2014/main" id="{6A2C425F-A369-0002-B7BB-8669BDFA02BF}"/>
               </a:ext>
             </a:extLst>
           </p:cNvPr>
@@ -2196,7 +2196,7 @@
           <p:cNvPr id="3" name="内容占位符 2">
             <a:extLst>
               <a:ext uri="{FF2B5EF4-FFF2-40B4-BE49-F238E27FC236}">
-                <a16:creationId xmlns:a16="http://schemas.microsoft.com/office/drawing/2014/main" id="{ACC1EF50-19D4-D73D-7E05-FCB7CEC79514}"/>
+                <a16:creationId xmlns:a16="http://schemas.microsoft.com/office/drawing/2014/main" id="{04A8D408-8F13-C0B3-F752-4946D9133C41}"/>
               </a:ext>
             </a:extLst>
           </p:cNvPr>
@@ -2286,7 +2286,7 @@
           <p:cNvPr id="4" name="文本占位符 3">
             <a:extLst>
               <a:ext uri="{FF2B5EF4-FFF2-40B4-BE49-F238E27FC236}">
-                <a16:creationId xmlns:a16="http://schemas.microsoft.com/office/drawing/2014/main" id="{784C3FDB-D162-887B-3DCF-22A468FEC958}"/>
+                <a16:creationId xmlns:a16="http://schemas.microsoft.com/office/drawing/2014/main" id="{AC4F6BF8-23F3-6759-2A0A-9E7258F843A1}"/>
               </a:ext>
             </a:extLst>
           </p:cNvPr>
@@ -2357,7 +2357,7 @@
           <p:cNvPr id="5" name="日期占位符 4">
             <a:extLst>
               <a:ext uri="{FF2B5EF4-FFF2-40B4-BE49-F238E27FC236}">
-                <a16:creationId xmlns:a16="http://schemas.microsoft.com/office/drawing/2014/main" id="{80303516-6199-8AA0-444E-5CE12EA67DE8}"/>
+                <a16:creationId xmlns:a16="http://schemas.microsoft.com/office/drawing/2014/main" id="{6023D482-9B47-379F-38BB-62EB7F4D42DF}"/>
               </a:ext>
             </a:extLst>
           </p:cNvPr>
@@ -2373,7 +2373,7 @@
           <a:bodyPr/>
           <a:lstStyle/>
           <a:p>
-            <a:fld id="{C068C253-3ADF-4A1E-B0BB-0A6238F1FC75}" type="datetimeFigureOut">
+            <a:fld id="{5BE0A944-D362-4B1A-A7CD-6F853B34A5E6}" type="datetimeFigureOut">
               <a:rPr lang="zh-CN" altLang="en-US" smtClean="0"/>
               <a:t>2024/3/10</a:t>
             </a:fld>
@@ -2386,7 +2386,7 @@
           <p:cNvPr id="6" name="页脚占位符 5">
             <a:extLst>
               <a:ext uri="{FF2B5EF4-FFF2-40B4-BE49-F238E27FC236}">
-                <a16:creationId xmlns:a16="http://schemas.microsoft.com/office/drawing/2014/main" id="{294B1AF6-85FF-1962-D5A9-A53C63928B4F}"/>
+                <a16:creationId xmlns:a16="http://schemas.microsoft.com/office/drawing/2014/main" id="{AE713E78-DB2F-EC1B-44FD-9AFF046146A5}"/>
               </a:ext>
             </a:extLst>
           </p:cNvPr>
@@ -2411,7 +2411,7 @@
           <p:cNvPr id="7" name="灯片编号占位符 6">
             <a:extLst>
               <a:ext uri="{FF2B5EF4-FFF2-40B4-BE49-F238E27FC236}">
-                <a16:creationId xmlns:a16="http://schemas.microsoft.com/office/drawing/2014/main" id="{F7E45434-53CA-F987-F4D5-3D67C596827D}"/>
+                <a16:creationId xmlns:a16="http://schemas.microsoft.com/office/drawing/2014/main" id="{DECABD15-52DC-C863-3161-28500A2A4C87}"/>
               </a:ext>
             </a:extLst>
           </p:cNvPr>
@@ -2427,7 +2427,7 @@
           <a:bodyPr/>
           <a:lstStyle/>
           <a:p>
-            <a:fld id="{F939F6A2-DA55-4EBF-B678-D980E70822D8}" type="slidenum">
+            <a:fld id="{B1FF4E16-303C-4948-8B3E-A206CF7BF2DD}" type="slidenum">
               <a:rPr lang="zh-CN" altLang="en-US" smtClean="0"/>
               <a:t>‹#›</a:t>
             </a:fld>
@@ -2438,7 +2438,7 @@
     </p:spTree>
     <p:extLst>
       <p:ext uri="{BB962C8B-B14F-4D97-AF65-F5344CB8AC3E}">
-        <p14:creationId xmlns:p14="http://schemas.microsoft.com/office/powerpoint/2010/main" val="2511436722"/>
+        <p14:creationId xmlns:p14="http://schemas.microsoft.com/office/powerpoint/2010/main" val="241322479"/>
       </p:ext>
     </p:extLst>
   </p:cSld>
@@ -2470,7 +2470,7 @@
           <p:cNvPr id="2" name="标题 1">
             <a:extLst>
               <a:ext uri="{FF2B5EF4-FFF2-40B4-BE49-F238E27FC236}">
-                <a16:creationId xmlns:a16="http://schemas.microsoft.com/office/drawing/2014/main" id="{E2DF20A8-A2B9-B5E5-EBD9-E1AB646E3D3E}"/>
+                <a16:creationId xmlns:a16="http://schemas.microsoft.com/office/drawing/2014/main" id="{1C0EBE2B-E7FF-54CE-FDDE-C8DE0A8F4525}"/>
               </a:ext>
             </a:extLst>
           </p:cNvPr>
@@ -2507,7 +2507,7 @@
           <p:cNvPr id="3" name="图片占位符 2">
             <a:extLst>
               <a:ext uri="{FF2B5EF4-FFF2-40B4-BE49-F238E27FC236}">
-                <a16:creationId xmlns:a16="http://schemas.microsoft.com/office/drawing/2014/main" id="{1D5CAE6D-5755-D1AB-A9D2-22C1C2CDCDFD}"/>
+                <a16:creationId xmlns:a16="http://schemas.microsoft.com/office/drawing/2014/main" id="{6B148E0C-4535-8985-ABEB-ABD3D5DB7130}"/>
               </a:ext>
             </a:extLst>
           </p:cNvPr>
@@ -2574,7 +2574,7 @@
           <p:cNvPr id="4" name="文本占位符 3">
             <a:extLst>
               <a:ext uri="{FF2B5EF4-FFF2-40B4-BE49-F238E27FC236}">
-                <a16:creationId xmlns:a16="http://schemas.microsoft.com/office/drawing/2014/main" id="{D6D843F1-2A08-3B20-CE99-F805AF7E88AC}"/>
+                <a16:creationId xmlns:a16="http://schemas.microsoft.com/office/drawing/2014/main" id="{B7B651CC-B490-662C-7D00-8B276F467D53}"/>
               </a:ext>
             </a:extLst>
           </p:cNvPr>
@@ -2645,7 +2645,7 @@
           <p:cNvPr id="5" name="日期占位符 4">
             <a:extLst>
               <a:ext uri="{FF2B5EF4-FFF2-40B4-BE49-F238E27FC236}">
-                <a16:creationId xmlns:a16="http://schemas.microsoft.com/office/drawing/2014/main" id="{4EC0EAC3-C537-9451-32CD-053F42B20819}"/>
+                <a16:creationId xmlns:a16="http://schemas.microsoft.com/office/drawing/2014/main" id="{52AE8770-E3D9-3950-1DEA-5B617144C292}"/>
               </a:ext>
             </a:extLst>
           </p:cNvPr>
@@ -2661,7 +2661,7 @@
           <a:bodyPr/>
           <a:lstStyle/>
           <a:p>
-            <a:fld id="{C068C253-3ADF-4A1E-B0BB-0A6238F1FC75}" type="datetimeFigureOut">
+            <a:fld id="{5BE0A944-D362-4B1A-A7CD-6F853B34A5E6}" type="datetimeFigureOut">
               <a:rPr lang="zh-CN" altLang="en-US" smtClean="0"/>
               <a:t>2024/3/10</a:t>
             </a:fld>
@@ -2674,7 +2674,7 @@
           <p:cNvPr id="6" name="页脚占位符 5">
             <a:extLst>
               <a:ext uri="{FF2B5EF4-FFF2-40B4-BE49-F238E27FC236}">
-                <a16:creationId xmlns:a16="http://schemas.microsoft.com/office/drawing/2014/main" id="{1E877891-BC8E-3AC0-0320-B49DA18974FF}"/>
+                <a16:creationId xmlns:a16="http://schemas.microsoft.com/office/drawing/2014/main" id="{9298DCDF-BFCC-C227-1899-A66688E8BF66}"/>
               </a:ext>
             </a:extLst>
           </p:cNvPr>
@@ -2699,7 +2699,7 @@
           <p:cNvPr id="7" name="灯片编号占位符 6">
             <a:extLst>
               <a:ext uri="{FF2B5EF4-FFF2-40B4-BE49-F238E27FC236}">
-                <a16:creationId xmlns:a16="http://schemas.microsoft.com/office/drawing/2014/main" id="{71799DFA-4EA5-8332-B86E-CCAD415463FA}"/>
+                <a16:creationId xmlns:a16="http://schemas.microsoft.com/office/drawing/2014/main" id="{1F8D9029-95B5-ED4B-2DD4-4530F8BD8EBF}"/>
               </a:ext>
             </a:extLst>
           </p:cNvPr>
@@ -2715,7 +2715,7 @@
           <a:bodyPr/>
           <a:lstStyle/>
           <a:p>
-            <a:fld id="{F939F6A2-DA55-4EBF-B678-D980E70822D8}" type="slidenum">
+            <a:fld id="{B1FF4E16-303C-4948-8B3E-A206CF7BF2DD}" type="slidenum">
               <a:rPr lang="zh-CN" altLang="en-US" smtClean="0"/>
               <a:t>‹#›</a:t>
             </a:fld>
@@ -2726,7 +2726,7 @@
     </p:spTree>
     <p:extLst>
       <p:ext uri="{BB962C8B-B14F-4D97-AF65-F5344CB8AC3E}">
-        <p14:creationId xmlns:p14="http://schemas.microsoft.com/office/powerpoint/2010/main" val="3374519697"/>
+        <p14:creationId xmlns:p14="http://schemas.microsoft.com/office/powerpoint/2010/main" val="3905502216"/>
       </p:ext>
     </p:extLst>
   </p:cSld>
@@ -2763,7 +2763,7 @@
           <p:cNvPr id="2" name="标题占位符 1">
             <a:extLst>
               <a:ext uri="{FF2B5EF4-FFF2-40B4-BE49-F238E27FC236}">
-                <a16:creationId xmlns:a16="http://schemas.microsoft.com/office/drawing/2014/main" id="{F1B2679A-34BF-2C77-365B-A90AD1FDF47C}"/>
+                <a16:creationId xmlns:a16="http://schemas.microsoft.com/office/drawing/2014/main" id="{2A92A8E5-BBE0-D869-49DC-7A1ED8B2BB27}"/>
               </a:ext>
             </a:extLst>
           </p:cNvPr>
@@ -2801,7 +2801,7 @@
           <p:cNvPr id="3" name="文本占位符 2">
             <a:extLst>
               <a:ext uri="{FF2B5EF4-FFF2-40B4-BE49-F238E27FC236}">
-                <a16:creationId xmlns:a16="http://schemas.microsoft.com/office/drawing/2014/main" id="{9F5B5B4F-349C-1ED8-EA91-A085D0B8A125}"/>
+                <a16:creationId xmlns:a16="http://schemas.microsoft.com/office/drawing/2014/main" id="{7E068090-2F0E-2482-B20B-C42A6DA48BDF}"/>
               </a:ext>
             </a:extLst>
           </p:cNvPr>
@@ -2868,7 +2868,7 @@
           <p:cNvPr id="4" name="日期占位符 3">
             <a:extLst>
               <a:ext uri="{FF2B5EF4-FFF2-40B4-BE49-F238E27FC236}">
-                <a16:creationId xmlns:a16="http://schemas.microsoft.com/office/drawing/2014/main" id="{D7211600-29C9-96D6-63FB-8FA9F3F55394}"/>
+                <a16:creationId xmlns:a16="http://schemas.microsoft.com/office/drawing/2014/main" id="{15547C96-6190-6358-CB53-92B9AC75D816}"/>
               </a:ext>
             </a:extLst>
           </p:cNvPr>
@@ -2902,7 +2902,7 @@
             </a:lvl1pPr>
           </a:lstStyle>
           <a:p>
-            <a:fld id="{C068C253-3ADF-4A1E-B0BB-0A6238F1FC75}" type="datetimeFigureOut">
+            <a:fld id="{5BE0A944-D362-4B1A-A7CD-6F853B34A5E6}" type="datetimeFigureOut">
               <a:rPr lang="zh-CN" altLang="en-US" smtClean="0"/>
               <a:t>2024/3/10</a:t>
             </a:fld>
@@ -2915,7 +2915,7 @@
           <p:cNvPr id="5" name="页脚占位符 4">
             <a:extLst>
               <a:ext uri="{FF2B5EF4-FFF2-40B4-BE49-F238E27FC236}">
-                <a16:creationId xmlns:a16="http://schemas.microsoft.com/office/drawing/2014/main" id="{27BD0367-CACB-8622-A83A-AC4D48827214}"/>
+                <a16:creationId xmlns:a16="http://schemas.microsoft.com/office/drawing/2014/main" id="{94D49EC8-0133-E823-F9C4-957E0AABAC6E}"/>
               </a:ext>
             </a:extLst>
           </p:cNvPr>
@@ -2958,7 +2958,7 @@
           <p:cNvPr id="6" name="灯片编号占位符 5">
             <a:extLst>
               <a:ext uri="{FF2B5EF4-FFF2-40B4-BE49-F238E27FC236}">
-                <a16:creationId xmlns:a16="http://schemas.microsoft.com/office/drawing/2014/main" id="{6AF1985E-29F4-7C21-3F9C-4ACCD0A4D377}"/>
+                <a16:creationId xmlns:a16="http://schemas.microsoft.com/office/drawing/2014/main" id="{97D8764A-64A8-2632-30DB-B14CAE8FEA60}"/>
               </a:ext>
             </a:extLst>
           </p:cNvPr>
@@ -2992,7 +2992,7 @@
             </a:lvl1pPr>
           </a:lstStyle>
           <a:p>
-            <a:fld id="{F939F6A2-DA55-4EBF-B678-D980E70822D8}" type="slidenum">
+            <a:fld id="{B1FF4E16-303C-4948-8B3E-A206CF7BF2DD}" type="slidenum">
               <a:rPr lang="zh-CN" altLang="en-US" smtClean="0"/>
               <a:t>‹#›</a:t>
             </a:fld>
@@ -3003,7 +3003,7 @@
     </p:spTree>
     <p:extLst>
       <p:ext uri="{BB962C8B-B14F-4D97-AF65-F5344CB8AC3E}">
-        <p14:creationId xmlns:p14="http://schemas.microsoft.com/office/powerpoint/2010/main" val="607077223"/>
+        <p14:creationId xmlns:p14="http://schemas.microsoft.com/office/powerpoint/2010/main" val="2325556425"/>
       </p:ext>
     </p:extLst>
   </p:cSld>
@@ -3323,7 +3323,7 @@
       </p:grpSpPr>
       <p:pic>
         <p:nvPicPr>
-          <p:cNvPr id="503810" name="Picture 2" descr="491"/>
+          <p:cNvPr id="504834" name="Picture 2" descr="492"/>
           <p:cNvPicPr>
             <a:picLocks noChangeAspect="1" noChangeArrowheads="1"/>
           </p:cNvPicPr>
@@ -3344,8 +3344,8 @@
         </p:blipFill>
         <p:spPr bwMode="auto">
           <a:xfrm>
-            <a:off x="1524000" y="0"/>
-            <a:ext cx="9144000" cy="6858000"/>
+            <a:off x="1524000" y="1"/>
+            <a:ext cx="9144000" cy="5516563"/>
           </a:xfrm>
           <a:prstGeom prst="rect">
             <a:avLst/>
